--- a/keypad-design.pptx
+++ b/keypad-design.pptx
@@ -104,6 +104,11 @@
       </a:defRPr>
     </a:lvl9pPr>
   </p:defaultTextStyle>
+  <p:extLst>
+    <p:ext uri="{EFAFB233-063F-42B5-8137-9DF3F51BA10A}">
+      <p15:sldGuideLst xmlns:p15="http://schemas.microsoft.com/office/powerpoint/2012/main"/>
+    </p:ext>
+  </p:extLst>
 </p:presentation>
 </file>
 
@@ -256,7 +261,7 @@
           <a:p>
             <a:fld id="{A7F46549-6ACC-4D05-80B0-53F7CF1F5C71}" type="datetimeFigureOut">
               <a:rPr lang="en-GB" smtClean="0"/>
-              <a:t>25/12/2023</a:t>
+              <a:t>26/12/2023</a:t>
             </a:fld>
             <a:endParaRPr lang="en-GB"/>
           </a:p>
@@ -456,7 +461,7 @@
           <a:p>
             <a:fld id="{A7F46549-6ACC-4D05-80B0-53F7CF1F5C71}" type="datetimeFigureOut">
               <a:rPr lang="en-GB" smtClean="0"/>
-              <a:t>25/12/2023</a:t>
+              <a:t>26/12/2023</a:t>
             </a:fld>
             <a:endParaRPr lang="en-GB"/>
           </a:p>
@@ -666,7 +671,7 @@
           <a:p>
             <a:fld id="{A7F46549-6ACC-4D05-80B0-53F7CF1F5C71}" type="datetimeFigureOut">
               <a:rPr lang="en-GB" smtClean="0"/>
-              <a:t>25/12/2023</a:t>
+              <a:t>26/12/2023</a:t>
             </a:fld>
             <a:endParaRPr lang="en-GB"/>
           </a:p>
@@ -866,7 +871,7 @@
           <a:p>
             <a:fld id="{A7F46549-6ACC-4D05-80B0-53F7CF1F5C71}" type="datetimeFigureOut">
               <a:rPr lang="en-GB" smtClean="0"/>
-              <a:t>25/12/2023</a:t>
+              <a:t>26/12/2023</a:t>
             </a:fld>
             <a:endParaRPr lang="en-GB"/>
           </a:p>
@@ -1142,7 +1147,7 @@
           <a:p>
             <a:fld id="{A7F46549-6ACC-4D05-80B0-53F7CF1F5C71}" type="datetimeFigureOut">
               <a:rPr lang="en-GB" smtClean="0"/>
-              <a:t>25/12/2023</a:t>
+              <a:t>26/12/2023</a:t>
             </a:fld>
             <a:endParaRPr lang="en-GB"/>
           </a:p>
@@ -1410,7 +1415,7 @@
           <a:p>
             <a:fld id="{A7F46549-6ACC-4D05-80B0-53F7CF1F5C71}" type="datetimeFigureOut">
               <a:rPr lang="en-GB" smtClean="0"/>
-              <a:t>25/12/2023</a:t>
+              <a:t>26/12/2023</a:t>
             </a:fld>
             <a:endParaRPr lang="en-GB"/>
           </a:p>
@@ -1825,7 +1830,7 @@
           <a:p>
             <a:fld id="{A7F46549-6ACC-4D05-80B0-53F7CF1F5C71}" type="datetimeFigureOut">
               <a:rPr lang="en-GB" smtClean="0"/>
-              <a:t>25/12/2023</a:t>
+              <a:t>26/12/2023</a:t>
             </a:fld>
             <a:endParaRPr lang="en-GB"/>
           </a:p>
@@ -1967,7 +1972,7 @@
           <a:p>
             <a:fld id="{A7F46549-6ACC-4D05-80B0-53F7CF1F5C71}" type="datetimeFigureOut">
               <a:rPr lang="en-GB" smtClean="0"/>
-              <a:t>25/12/2023</a:t>
+              <a:t>26/12/2023</a:t>
             </a:fld>
             <a:endParaRPr lang="en-GB"/>
           </a:p>
@@ -2080,7 +2085,7 @@
           <a:p>
             <a:fld id="{A7F46549-6ACC-4D05-80B0-53F7CF1F5C71}" type="datetimeFigureOut">
               <a:rPr lang="en-GB" smtClean="0"/>
-              <a:t>25/12/2023</a:t>
+              <a:t>26/12/2023</a:t>
             </a:fld>
             <a:endParaRPr lang="en-GB"/>
           </a:p>
@@ -2393,7 +2398,7 @@
           <a:p>
             <a:fld id="{A7F46549-6ACC-4D05-80B0-53F7CF1F5C71}" type="datetimeFigureOut">
               <a:rPr lang="en-GB" smtClean="0"/>
-              <a:t>25/12/2023</a:t>
+              <a:t>26/12/2023</a:t>
             </a:fld>
             <a:endParaRPr lang="en-GB"/>
           </a:p>
@@ -2682,7 +2687,7 @@
           <a:p>
             <a:fld id="{A7F46549-6ACC-4D05-80B0-53F7CF1F5C71}" type="datetimeFigureOut">
               <a:rPr lang="en-GB" smtClean="0"/>
-              <a:t>25/12/2023</a:t>
+              <a:t>26/12/2023</a:t>
             </a:fld>
             <a:endParaRPr lang="en-GB"/>
           </a:p>
@@ -2925,7 +2930,7 @@
           <a:p>
             <a:fld id="{A7F46549-6ACC-4D05-80B0-53F7CF1F5C71}" type="datetimeFigureOut">
               <a:rPr lang="en-GB" smtClean="0"/>
-              <a:t>25/12/2023</a:t>
+              <a:t>26/12/2023</a:t>
             </a:fld>
             <a:endParaRPr lang="en-GB"/>
           </a:p>

--- a/keypad-design.pptx
+++ b/keypad-design.pptx
@@ -4435,7 +4435,7 @@
         </p:nvSpPr>
         <p:spPr>
           <a:xfrm>
-            <a:off x="5066278" y="2081646"/>
+            <a:off x="5041024" y="2088791"/>
             <a:ext cx="264816" cy="276999"/>
           </a:xfrm>
           <a:prstGeom prst="rect">
@@ -4474,8 +4474,8 @@
         </p:nvSpPr>
         <p:spPr>
           <a:xfrm>
-            <a:off x="6269954" y="2093553"/>
-            <a:ext cx="261610" cy="276999"/>
+            <a:off x="6158103" y="2093554"/>
+            <a:ext cx="433132" cy="276999"/>
           </a:xfrm>
           <a:prstGeom prst="rect">
             <a:avLst/>
@@ -4494,7 +4494,7 @@
                   <a:schemeClr val="bg1"/>
                 </a:solidFill>
               </a:rPr>
-              <a:t>=</a:t>
+              <a:t>plot</a:t>
             </a:r>
           </a:p>
         </p:txBody>

--- a/keypad-design.pptx
+++ b/keypad-design.pptx
@@ -261,7 +261,7 @@
           <a:p>
             <a:fld id="{A7F46549-6ACC-4D05-80B0-53F7CF1F5C71}" type="datetimeFigureOut">
               <a:rPr lang="en-GB" smtClean="0"/>
-              <a:t>26/12/2023</a:t>
+              <a:t>09/01/2024</a:t>
             </a:fld>
             <a:endParaRPr lang="en-GB"/>
           </a:p>
@@ -461,7 +461,7 @@
           <a:p>
             <a:fld id="{A7F46549-6ACC-4D05-80B0-53F7CF1F5C71}" type="datetimeFigureOut">
               <a:rPr lang="en-GB" smtClean="0"/>
-              <a:t>26/12/2023</a:t>
+              <a:t>09/01/2024</a:t>
             </a:fld>
             <a:endParaRPr lang="en-GB"/>
           </a:p>
@@ -671,7 +671,7 @@
           <a:p>
             <a:fld id="{A7F46549-6ACC-4D05-80B0-53F7CF1F5C71}" type="datetimeFigureOut">
               <a:rPr lang="en-GB" smtClean="0"/>
-              <a:t>26/12/2023</a:t>
+              <a:t>09/01/2024</a:t>
             </a:fld>
             <a:endParaRPr lang="en-GB"/>
           </a:p>
@@ -871,7 +871,7 @@
           <a:p>
             <a:fld id="{A7F46549-6ACC-4D05-80B0-53F7CF1F5C71}" type="datetimeFigureOut">
               <a:rPr lang="en-GB" smtClean="0"/>
-              <a:t>26/12/2023</a:t>
+              <a:t>09/01/2024</a:t>
             </a:fld>
             <a:endParaRPr lang="en-GB"/>
           </a:p>
@@ -1147,7 +1147,7 @@
           <a:p>
             <a:fld id="{A7F46549-6ACC-4D05-80B0-53F7CF1F5C71}" type="datetimeFigureOut">
               <a:rPr lang="en-GB" smtClean="0"/>
-              <a:t>26/12/2023</a:t>
+              <a:t>09/01/2024</a:t>
             </a:fld>
             <a:endParaRPr lang="en-GB"/>
           </a:p>
@@ -1415,7 +1415,7 @@
           <a:p>
             <a:fld id="{A7F46549-6ACC-4D05-80B0-53F7CF1F5C71}" type="datetimeFigureOut">
               <a:rPr lang="en-GB" smtClean="0"/>
-              <a:t>26/12/2023</a:t>
+              <a:t>09/01/2024</a:t>
             </a:fld>
             <a:endParaRPr lang="en-GB"/>
           </a:p>
@@ -1830,7 +1830,7 @@
           <a:p>
             <a:fld id="{A7F46549-6ACC-4D05-80B0-53F7CF1F5C71}" type="datetimeFigureOut">
               <a:rPr lang="en-GB" smtClean="0"/>
-              <a:t>26/12/2023</a:t>
+              <a:t>09/01/2024</a:t>
             </a:fld>
             <a:endParaRPr lang="en-GB"/>
           </a:p>
@@ -1972,7 +1972,7 @@
           <a:p>
             <a:fld id="{A7F46549-6ACC-4D05-80B0-53F7CF1F5C71}" type="datetimeFigureOut">
               <a:rPr lang="en-GB" smtClean="0"/>
-              <a:t>26/12/2023</a:t>
+              <a:t>09/01/2024</a:t>
             </a:fld>
             <a:endParaRPr lang="en-GB"/>
           </a:p>
@@ -2085,7 +2085,7 @@
           <a:p>
             <a:fld id="{A7F46549-6ACC-4D05-80B0-53F7CF1F5C71}" type="datetimeFigureOut">
               <a:rPr lang="en-GB" smtClean="0"/>
-              <a:t>26/12/2023</a:t>
+              <a:t>09/01/2024</a:t>
             </a:fld>
             <a:endParaRPr lang="en-GB"/>
           </a:p>
@@ -2398,7 +2398,7 @@
           <a:p>
             <a:fld id="{A7F46549-6ACC-4D05-80B0-53F7CF1F5C71}" type="datetimeFigureOut">
               <a:rPr lang="en-GB" smtClean="0"/>
-              <a:t>26/12/2023</a:t>
+              <a:t>09/01/2024</a:t>
             </a:fld>
             <a:endParaRPr lang="en-GB"/>
           </a:p>
@@ -2687,7 +2687,7 @@
           <a:p>
             <a:fld id="{A7F46549-6ACC-4D05-80B0-53F7CF1F5C71}" type="datetimeFigureOut">
               <a:rPr lang="en-GB" smtClean="0"/>
-              <a:t>26/12/2023</a:t>
+              <a:t>09/01/2024</a:t>
             </a:fld>
             <a:endParaRPr lang="en-GB"/>
           </a:p>
@@ -2930,7 +2930,7 @@
           <a:p>
             <a:fld id="{A7F46549-6ACC-4D05-80B0-53F7CF1F5C71}" type="datetimeFigureOut">
               <a:rPr lang="en-GB" smtClean="0"/>
-              <a:t>26/12/2023</a:t>
+              <a:t>09/01/2024</a:t>
             </a:fld>
             <a:endParaRPr lang="en-GB"/>
           </a:p>
@@ -4072,8 +4072,8 @@
         </p:nvSpPr>
         <p:spPr>
           <a:xfrm>
-            <a:off x="4934424" y="3826667"/>
-            <a:ext cx="513282" cy="276999"/>
+            <a:off x="4897715" y="3826667"/>
+            <a:ext cx="565026" cy="276999"/>
           </a:xfrm>
           <a:prstGeom prst="rect">
             <a:avLst/>
@@ -4092,7 +4092,7 @@
                   <a:schemeClr val="bg1"/>
                 </a:solidFill>
               </a:rPr>
-              <a:t>MOD</a:t>
+              <a:t>PSWD</a:t>
             </a:r>
           </a:p>
         </p:txBody>
@@ -4253,174 +4253,6 @@
           </a:p>
         </p:txBody>
       </p:sp>
-      <p:cxnSp>
-        <p:nvCxnSpPr>
-          <p:cNvPr id="30" name="Straight Arrow Connector 29">
-            <a:extLst>
-              <a:ext uri="{FF2B5EF4-FFF2-40B4-BE49-F238E27FC236}">
-                <a16:creationId xmlns:a16="http://schemas.microsoft.com/office/drawing/2014/main" id="{53677527-96FF-CC10-8123-020C913CF3F5}"/>
-              </a:ext>
-            </a:extLst>
-          </p:cNvPr>
-          <p:cNvCxnSpPr/>
-          <p:nvPr/>
-        </p:nvCxnSpPr>
-        <p:spPr>
-          <a:xfrm flipV="1">
-            <a:off x="5785863" y="2119313"/>
-            <a:ext cx="0" cy="183356"/>
-          </a:xfrm>
-          <a:prstGeom prst="straightConnector1">
-            <a:avLst/>
-          </a:prstGeom>
-          <a:ln>
-            <a:solidFill>
-              <a:schemeClr val="bg1"/>
-            </a:solidFill>
-            <a:tailEnd type="triangle"/>
-          </a:ln>
-        </p:spPr>
-        <p:style>
-          <a:lnRef idx="1">
-            <a:schemeClr val="accent1"/>
-          </a:lnRef>
-          <a:fillRef idx="0">
-            <a:schemeClr val="accent1"/>
-          </a:fillRef>
-          <a:effectRef idx="0">
-            <a:schemeClr val="accent1"/>
-          </a:effectRef>
-          <a:fontRef idx="minor">
-            <a:schemeClr val="tx1"/>
-          </a:fontRef>
-        </p:style>
-      </p:cxnSp>
-      <p:cxnSp>
-        <p:nvCxnSpPr>
-          <p:cNvPr id="32" name="Straight Arrow Connector 31">
-            <a:extLst>
-              <a:ext uri="{FF2B5EF4-FFF2-40B4-BE49-F238E27FC236}">
-                <a16:creationId xmlns:a16="http://schemas.microsoft.com/office/drawing/2014/main" id="{36F37577-C13B-2A34-FB91-208587E70E7E}"/>
-              </a:ext>
-            </a:extLst>
-          </p:cNvPr>
-          <p:cNvCxnSpPr/>
-          <p:nvPr/>
-        </p:nvCxnSpPr>
-        <p:spPr>
-          <a:xfrm>
-            <a:off x="6265069" y="2831306"/>
-            <a:ext cx="254966" cy="0"/>
-          </a:xfrm>
-          <a:prstGeom prst="straightConnector1">
-            <a:avLst/>
-          </a:prstGeom>
-          <a:ln>
-            <a:solidFill>
-              <a:schemeClr val="bg1"/>
-            </a:solidFill>
-            <a:tailEnd type="triangle"/>
-          </a:ln>
-        </p:spPr>
-        <p:style>
-          <a:lnRef idx="1">
-            <a:schemeClr val="accent1"/>
-          </a:lnRef>
-          <a:fillRef idx="0">
-            <a:schemeClr val="accent1"/>
-          </a:fillRef>
-          <a:effectRef idx="0">
-            <a:schemeClr val="accent1"/>
-          </a:effectRef>
-          <a:fontRef idx="minor">
-            <a:schemeClr val="tx1"/>
-          </a:fontRef>
-        </p:style>
-      </p:cxnSp>
-      <p:cxnSp>
-        <p:nvCxnSpPr>
-          <p:cNvPr id="34" name="Straight Arrow Connector 33">
-            <a:extLst>
-              <a:ext uri="{FF2B5EF4-FFF2-40B4-BE49-F238E27FC236}">
-                <a16:creationId xmlns:a16="http://schemas.microsoft.com/office/drawing/2014/main" id="{946DBCEA-E12D-D723-E7BE-3403AB2DA8C5}"/>
-              </a:ext>
-            </a:extLst>
-          </p:cNvPr>
-          <p:cNvCxnSpPr/>
-          <p:nvPr/>
-        </p:nvCxnSpPr>
-        <p:spPr>
-          <a:xfrm flipH="1">
-            <a:off x="5038915" y="2795603"/>
-            <a:ext cx="261610" cy="0"/>
-          </a:xfrm>
-          <a:prstGeom prst="straightConnector1">
-            <a:avLst/>
-          </a:prstGeom>
-          <a:ln>
-            <a:solidFill>
-              <a:schemeClr val="bg1"/>
-            </a:solidFill>
-            <a:tailEnd type="triangle"/>
-          </a:ln>
-        </p:spPr>
-        <p:style>
-          <a:lnRef idx="1">
-            <a:schemeClr val="accent1"/>
-          </a:lnRef>
-          <a:fillRef idx="0">
-            <a:schemeClr val="accent1"/>
-          </a:fillRef>
-          <a:effectRef idx="0">
-            <a:schemeClr val="accent1"/>
-          </a:effectRef>
-          <a:fontRef idx="minor">
-            <a:schemeClr val="tx1"/>
-          </a:fontRef>
-        </p:style>
-      </p:cxnSp>
-      <p:cxnSp>
-        <p:nvCxnSpPr>
-          <p:cNvPr id="36" name="Straight Arrow Connector 35">
-            <a:extLst>
-              <a:ext uri="{FF2B5EF4-FFF2-40B4-BE49-F238E27FC236}">
-                <a16:creationId xmlns:a16="http://schemas.microsoft.com/office/drawing/2014/main" id="{C666C7AC-C1BE-5826-FD20-153D4E52BE95}"/>
-              </a:ext>
-            </a:extLst>
-          </p:cNvPr>
-          <p:cNvCxnSpPr/>
-          <p:nvPr/>
-        </p:nvCxnSpPr>
-        <p:spPr>
-          <a:xfrm>
-            <a:off x="5785863" y="3298031"/>
-            <a:ext cx="0" cy="176213"/>
-          </a:xfrm>
-          <a:prstGeom prst="straightConnector1">
-            <a:avLst/>
-          </a:prstGeom>
-          <a:ln>
-            <a:solidFill>
-              <a:schemeClr val="bg1"/>
-            </a:solidFill>
-            <a:tailEnd type="triangle"/>
-          </a:ln>
-        </p:spPr>
-        <p:style>
-          <a:lnRef idx="1">
-            <a:schemeClr val="accent1"/>
-          </a:lnRef>
-          <a:fillRef idx="0">
-            <a:schemeClr val="accent1"/>
-          </a:fillRef>
-          <a:effectRef idx="0">
-            <a:schemeClr val="accent1"/>
-          </a:effectRef>
-          <a:fontRef idx="minor">
-            <a:schemeClr val="tx1"/>
-          </a:fontRef>
-        </p:style>
-      </p:cxnSp>
       <p:sp>
         <p:nvSpPr>
           <p:cNvPr id="37" name="TextBox 36">
@@ -4435,8 +4267,8 @@
         </p:nvSpPr>
         <p:spPr>
           <a:xfrm>
-            <a:off x="5041024" y="2088791"/>
-            <a:ext cx="264816" cy="276999"/>
+            <a:off x="4952149" y="2071716"/>
+            <a:ext cx="474810" cy="276999"/>
           </a:xfrm>
           <a:prstGeom prst="rect">
             <a:avLst/>
@@ -4455,46 +4287,7 @@
                   <a:schemeClr val="bg1"/>
                 </a:solidFill>
               </a:rPr>
-              <a:t>X</a:t>
-            </a:r>
-          </a:p>
-        </p:txBody>
-      </p:sp>
-      <p:sp>
-        <p:nvSpPr>
-          <p:cNvPr id="38" name="TextBox 37">
-            <a:extLst>
-              <a:ext uri="{FF2B5EF4-FFF2-40B4-BE49-F238E27FC236}">
-                <a16:creationId xmlns:a16="http://schemas.microsoft.com/office/drawing/2014/main" id="{6C77B5B9-E278-AA41-8CE1-5A8FFD1E98AF}"/>
-              </a:ext>
-            </a:extLst>
-          </p:cNvPr>
-          <p:cNvSpPr txBox="1"/>
-          <p:nvPr/>
-        </p:nvSpPr>
-        <p:spPr>
-          <a:xfrm>
-            <a:off x="6158103" y="2093554"/>
-            <a:ext cx="433132" cy="276999"/>
-          </a:xfrm>
-          <a:prstGeom prst="rect">
-            <a:avLst/>
-          </a:prstGeom>
-          <a:noFill/>
-        </p:spPr>
-        <p:txBody>
-          <a:bodyPr wrap="none" rtlCol="0">
-            <a:spAutoFit/>
-          </a:bodyPr>
-          <a:lstStyle/>
-          <a:p>
-            <a:r>
-              <a:rPr lang="en-GB" sz="1200" dirty="0">
-                <a:solidFill>
-                  <a:schemeClr val="bg1"/>
-                </a:solidFill>
-              </a:rPr>
-              <a:t>plot</a:t>
+              <a:t>back</a:t>
             </a:r>
           </a:p>
         </p:txBody>
